--- a/presentation/haskell.pptx
+++ b/presentation/haskell.pptx
@@ -5,10 +5,10 @@
     <p:sldMasterId id="2147483728" r:id="rId4"/>
   </p:sldMasterIdLst>
   <p:notesMasterIdLst>
-    <p:notesMasterId r:id="rId12"/>
+    <p:notesMasterId r:id="rId14"/>
   </p:notesMasterIdLst>
   <p:handoutMasterIdLst>
-    <p:handoutMasterId r:id="rId13"/>
+    <p:handoutMasterId r:id="rId15"/>
   </p:handoutMasterIdLst>
   <p:sldIdLst>
     <p:sldId id="279" r:id="rId5"/>
@@ -17,7 +17,9 @@
     <p:sldId id="285" r:id="rId8"/>
     <p:sldId id="284" r:id="rId9"/>
     <p:sldId id="273" r:id="rId10"/>
-    <p:sldId id="268" r:id="rId11"/>
+    <p:sldId id="286" r:id="rId11"/>
+    <p:sldId id="287" r:id="rId12"/>
+    <p:sldId id="268" r:id="rId13"/>
   </p:sldIdLst>
   <p:sldSz cx="12192000" cy="6858000"/>
   <p:notesSz cx="6858000" cy="9144000"/>
@@ -233,7 +235,7 @@
           <a:p>
             <a:fld id="{144DDA53-17BB-4810-91A8-94FE944ADC38}" type="datetimeFigureOut">
               <a:rPr lang="en-US" smtClean="0"/>
-              <a:t>12/6/2024</a:t>
+              <a:t>12/8/2024</a:t>
             </a:fld>
             <a:endParaRPr lang="en-US" dirty="0"/>
           </a:p>
@@ -410,7 +412,7 @@
           <a:p>
             <a:fld id="{6AF08D30-F807-4561-A81E-6E077448AA00}" type="datetimeFigureOut">
               <a:rPr lang="en-US" smtClean="0"/>
-              <a:t>12/6/2024</a:t>
+              <a:t>12/8/2024</a:t>
             </a:fld>
             <a:endParaRPr lang="en-US" dirty="0"/>
           </a:p>
@@ -850,6 +852,114 @@
   <p:cSld>
     <p:spTree>
       <p:nvGrpSpPr>
+        <p:cNvPr id="1" name="">
+          <a:extLst>
+            <a:ext uri="{FF2B5EF4-FFF2-40B4-BE49-F238E27FC236}">
+              <a16:creationId xmlns:a16="http://schemas.microsoft.com/office/drawing/2014/main" id="{1BA9C252-BB2A-83BE-2002-A6A24D01AD76}"/>
+            </a:ext>
+          </a:extLst>
+        </p:cNvPr>
+        <p:cNvGrpSpPr/>
+        <p:nvPr/>
+      </p:nvGrpSpPr>
+      <p:grpSpPr>
+        <a:xfrm>
+          <a:off x="0" y="0"/>
+          <a:ext cx="0" cy="0"/>
+          <a:chOff x="0" y="0"/>
+          <a:chExt cx="0" cy="0"/>
+        </a:xfrm>
+      </p:grpSpPr>
+      <p:sp>
+        <p:nvSpPr>
+          <p:cNvPr id="2" name="Slide Image Placeholder 1">
+            <a:extLst>
+              <a:ext uri="{FF2B5EF4-FFF2-40B4-BE49-F238E27FC236}">
+                <a16:creationId xmlns:a16="http://schemas.microsoft.com/office/drawing/2014/main" id="{EF580C0F-CBAD-F1F5-74AC-8C29D7E39548}"/>
+              </a:ext>
+            </a:extLst>
+          </p:cNvPr>
+          <p:cNvSpPr>
+            <a:spLocks noGrp="1" noRot="1" noChangeAspect="1"/>
+          </p:cNvSpPr>
+          <p:nvPr>
+            <p:ph type="sldImg"/>
+          </p:nvPr>
+        </p:nvSpPr>
+        <p:spPr/>
+      </p:sp>
+      <p:sp>
+        <p:nvSpPr>
+          <p:cNvPr id="3" name="Notes Placeholder 2">
+            <a:extLst>
+              <a:ext uri="{FF2B5EF4-FFF2-40B4-BE49-F238E27FC236}">
+                <a16:creationId xmlns:a16="http://schemas.microsoft.com/office/drawing/2014/main" id="{B1939924-D8CC-AFC3-3FD9-542B6D1D07DF}"/>
+              </a:ext>
+            </a:extLst>
+          </p:cNvPr>
+          <p:cNvSpPr>
+            <a:spLocks noGrp="1"/>
+          </p:cNvSpPr>
+          <p:nvPr>
+            <p:ph type="body" idx="1"/>
+          </p:nvPr>
+        </p:nvSpPr>
+        <p:spPr/>
+        <p:txBody>
+          <a:bodyPr/>
+          <a:lstStyle/>
+          <a:p>
+            <a:endParaRPr lang="en-US" dirty="0"/>
+          </a:p>
+        </p:txBody>
+      </p:sp>
+      <p:sp>
+        <p:nvSpPr>
+          <p:cNvPr id="4" name="Slide Number Placeholder 3">
+            <a:extLst>
+              <a:ext uri="{FF2B5EF4-FFF2-40B4-BE49-F238E27FC236}">
+                <a16:creationId xmlns:a16="http://schemas.microsoft.com/office/drawing/2014/main" id="{2CC8E8AC-E918-BC5D-E0E6-E40D9BD38D3D}"/>
+              </a:ext>
+            </a:extLst>
+          </p:cNvPr>
+          <p:cNvSpPr>
+            <a:spLocks noGrp="1"/>
+          </p:cNvSpPr>
+          <p:nvPr>
+            <p:ph type="sldNum" sz="quarter" idx="5"/>
+          </p:nvPr>
+        </p:nvSpPr>
+        <p:spPr/>
+        <p:txBody>
+          <a:bodyPr/>
+          <a:lstStyle/>
+          <a:p>
+            <a:fld id="{DD82C05A-7A07-4286-AA18-B883C0AF9A3B}" type="slidenum">
+              <a:rPr lang="en-US" smtClean="0"/>
+              <a:t>8</a:t>
+            </a:fld>
+            <a:endParaRPr lang="en-US" dirty="0"/>
+          </a:p>
+        </p:txBody>
+      </p:sp>
+    </p:spTree>
+    <p:extLst>
+      <p:ext uri="{BB962C8B-B14F-4D97-AF65-F5344CB8AC3E}">
+        <p14:creationId xmlns:p14="http://schemas.microsoft.com/office/powerpoint/2010/main" val="194456459"/>
+      </p:ext>
+    </p:extLst>
+  </p:cSld>
+  <p:clrMapOvr>
+    <a:masterClrMapping/>
+  </p:clrMapOvr>
+</p:notes>
+</file>
+
+<file path=ppt/notesSlides/notesSlide4.xml><?xml version="1.0" encoding="utf-8"?>
+<p:notes xmlns:a="http://schemas.openxmlformats.org/drawingml/2006/main" xmlns:r="http://schemas.openxmlformats.org/officeDocument/2006/relationships" xmlns:p="http://schemas.openxmlformats.org/presentationml/2006/main">
+  <p:cSld>
+    <p:spTree>
+      <p:nvGrpSpPr>
         <p:cNvPr id="1" name=""/>
         <p:cNvGrpSpPr/>
         <p:nvPr/>
@@ -910,7 +1020,7 @@
           <a:p>
             <a:fld id="{DD82C05A-7A07-4286-AA18-B883C0AF9A3B}" type="slidenum">
               <a:rPr lang="en-US" smtClean="0"/>
-              <a:t>7</a:t>
+              <a:t>9</a:t>
             </a:fld>
             <a:endParaRPr lang="en-US" dirty="0"/>
           </a:p>
@@ -1158,7 +1268,7 @@
           <a:p>
             <a:fld id="{1D4D8EA3-B846-4160-95E9-486302147031}" type="datetime1">
               <a:rPr lang="en-US" smtClean="0"/>
-              <a:t>12/6/2024</a:t>
+              <a:t>12/8/2024</a:t>
             </a:fld>
             <a:endParaRPr lang="en-US" dirty="0"/>
           </a:p>
@@ -1493,7 +1603,7 @@
           <a:p>
             <a:fld id="{1D4D8EA3-B846-4160-95E9-486302147031}" type="datetime1">
               <a:rPr lang="en-US" smtClean="0"/>
-              <a:t>12/6/2024</a:t>
+              <a:t>12/8/2024</a:t>
             </a:fld>
             <a:endParaRPr lang="en-US" dirty="0"/>
           </a:p>
@@ -1772,7 +1882,7 @@
           <a:p>
             <a:fld id="{1D4D8EA3-B846-4160-95E9-486302147031}" type="datetime1">
               <a:rPr lang="en-US" smtClean="0"/>
-              <a:t>12/6/2024</a:t>
+              <a:t>12/8/2024</a:t>
             </a:fld>
             <a:endParaRPr lang="en-US" dirty="0"/>
           </a:p>
@@ -2341,7 +2451,7 @@
           <a:p>
             <a:fld id="{1D4D8EA3-B846-4160-95E9-486302147031}" type="datetime1">
               <a:rPr lang="en-US" smtClean="0"/>
-              <a:t>12/6/2024</a:t>
+              <a:t>12/8/2024</a:t>
             </a:fld>
             <a:endParaRPr lang="en-US" dirty="0"/>
           </a:p>
@@ -2620,7 +2730,7 @@
           <a:p>
             <a:fld id="{1D4D8EA3-B846-4160-95E9-486302147031}" type="datetime1">
               <a:rPr lang="en-US" smtClean="0"/>
-              <a:t>12/6/2024</a:t>
+              <a:t>12/8/2024</a:t>
             </a:fld>
             <a:endParaRPr lang="en-US" dirty="0"/>
           </a:p>
@@ -3183,7 +3293,7 @@
           <a:p>
             <a:fld id="{1D4D8EA3-B846-4160-95E9-486302147031}" type="datetime1">
               <a:rPr lang="en-US" smtClean="0"/>
-              <a:t>12/6/2024</a:t>
+              <a:t>12/8/2024</a:t>
             </a:fld>
             <a:endParaRPr lang="en-US" dirty="0"/>
           </a:p>
@@ -3511,7 +3621,7 @@
           <a:p>
             <a:fld id="{1D4D8EA3-B846-4160-95E9-486302147031}" type="datetime1">
               <a:rPr lang="en-US" smtClean="0"/>
-              <a:t>12/6/2024</a:t>
+              <a:t>12/8/2024</a:t>
             </a:fld>
             <a:endParaRPr lang="en-US" dirty="0"/>
           </a:p>
@@ -3689,7 +3799,7 @@
           <a:p>
             <a:fld id="{1D4D8EA3-B846-4160-95E9-486302147031}" type="datetime1">
               <a:rPr lang="en-US" smtClean="0"/>
-              <a:t>12/6/2024</a:t>
+              <a:t>12/8/2024</a:t>
             </a:fld>
             <a:endParaRPr lang="en-US" dirty="0"/>
           </a:p>
@@ -3928,7 +4038,7 @@
           <a:p>
             <a:fld id="{1D4D8EA3-B846-4160-95E9-486302147031}" type="datetime1">
               <a:rPr lang="en-US" smtClean="0"/>
-              <a:t>12/6/2024</a:t>
+              <a:t>12/8/2024</a:t>
             </a:fld>
             <a:endParaRPr lang="en-US" dirty="0"/>
           </a:p>
@@ -5192,7 +5302,7 @@
             <a:fld id="{72B8B865-6043-45BC-B48D-1676CB43D17A}" type="datetime1">
               <a:rPr lang="en-US" smtClean="0"/>
               <a:pPr/>
-              <a:t>12/6/2024</a:t>
+              <a:t>12/8/2024</a:t>
             </a:fld>
             <a:endParaRPr lang="en-US" dirty="0"/>
           </a:p>
@@ -5593,7 +5703,7 @@
             <a:fld id="{72B8B865-6043-45BC-B48D-1676CB43D17A}" type="datetime1">
               <a:rPr lang="en-US" smtClean="0"/>
               <a:pPr/>
-              <a:t>12/6/2024</a:t>
+              <a:t>12/8/2024</a:t>
             </a:fld>
             <a:endParaRPr lang="en-US" dirty="0"/>
           </a:p>
@@ -7240,7 +7350,7 @@
             <a:fld id="{72B8B865-6043-45BC-B48D-1676CB43D17A}" type="datetime1">
               <a:rPr lang="en-US" smtClean="0"/>
               <a:pPr/>
-              <a:t>12/6/2024</a:t>
+              <a:t>12/8/2024</a:t>
             </a:fld>
             <a:endParaRPr lang="en-US" dirty="0"/>
           </a:p>
@@ -8405,7 +8515,7 @@
             <a:fld id="{72B8B865-6043-45BC-B48D-1676CB43D17A}" type="datetime1">
               <a:rPr lang="en-US" smtClean="0"/>
               <a:pPr/>
-              <a:t>12/6/2024</a:t>
+              <a:t>12/8/2024</a:t>
             </a:fld>
             <a:endParaRPr lang="en-US" dirty="0"/>
           </a:p>
@@ -9515,7 +9625,7 @@
             <a:fld id="{72B8B865-6043-45BC-B48D-1676CB43D17A}" type="datetime1">
               <a:rPr lang="en-US" smtClean="0"/>
               <a:pPr/>
-              <a:t>12/6/2024</a:t>
+              <a:t>12/8/2024</a:t>
             </a:fld>
             <a:endParaRPr lang="en-US" dirty="0"/>
           </a:p>
@@ -11293,7 +11403,7 @@
             <a:fld id="{72B8B865-6043-45BC-B48D-1676CB43D17A}" type="datetime1">
               <a:rPr lang="en-US" smtClean="0"/>
               <a:pPr/>
-              <a:t>12/6/2024</a:t>
+              <a:t>12/8/2024</a:t>
             </a:fld>
             <a:endParaRPr lang="en-US" dirty="0"/>
           </a:p>
@@ -12793,7 +12903,7 @@
             <a:fld id="{72B8B865-6043-45BC-B48D-1676CB43D17A}" type="datetime1">
               <a:rPr lang="en-US" smtClean="0"/>
               <a:pPr/>
-              <a:t>12/6/2024</a:t>
+              <a:t>12/8/2024</a:t>
             </a:fld>
             <a:endParaRPr lang="en-US" dirty="0"/>
           </a:p>
@@ -13414,7 +13524,7 @@
             <a:fld id="{72B8B865-6043-45BC-B48D-1676CB43D17A}" type="datetime1">
               <a:rPr lang="en-US" smtClean="0"/>
               <a:pPr/>
-              <a:t>12/6/2024</a:t>
+              <a:t>12/8/2024</a:t>
             </a:fld>
             <a:endParaRPr lang="en-US" dirty="0"/>
           </a:p>
@@ -14272,7 +14382,7 @@
             <a:fld id="{72B8B865-6043-45BC-B48D-1676CB43D17A}" type="datetime1">
               <a:rPr lang="en-US" smtClean="0"/>
               <a:pPr/>
-              <a:t>12/6/2024</a:t>
+              <a:t>12/8/2024</a:t>
             </a:fld>
             <a:endParaRPr lang="en-US" dirty="0"/>
           </a:p>
@@ -15114,7 +15224,7 @@
             <a:fld id="{72B8B865-6043-45BC-B48D-1676CB43D17A}" type="datetime1">
               <a:rPr lang="en-US" smtClean="0"/>
               <a:pPr/>
-              <a:t>12/6/2024</a:t>
+              <a:t>12/8/2024</a:t>
             </a:fld>
             <a:endParaRPr lang="en-US" dirty="0"/>
           </a:p>
@@ -16235,7 +16345,7 @@
             <a:fld id="{72B8B865-6043-45BC-B48D-1676CB43D17A}" type="datetime1">
               <a:rPr lang="en-US" smtClean="0"/>
               <a:pPr/>
-              <a:t>12/6/2024</a:t>
+              <a:t>12/8/2024</a:t>
             </a:fld>
             <a:endParaRPr lang="en-US" dirty="0"/>
           </a:p>
@@ -16587,7 +16697,7 @@
           <a:p>
             <a:fld id="{1D4D8EA3-B846-4160-95E9-486302147031}" type="datetime1">
               <a:rPr lang="en-US" smtClean="0"/>
-              <a:t>12/6/2024</a:t>
+              <a:t>12/8/2024</a:t>
             </a:fld>
             <a:endParaRPr lang="en-US" dirty="0"/>
           </a:p>
@@ -17647,7 +17757,7 @@
             <a:fld id="{72B8B865-6043-45BC-B48D-1676CB43D17A}" type="datetime1">
               <a:rPr lang="en-US" smtClean="0"/>
               <a:pPr/>
-              <a:t>12/6/2024</a:t>
+              <a:t>12/8/2024</a:t>
             </a:fld>
             <a:endParaRPr lang="en-US" dirty="0"/>
           </a:p>
@@ -19820,7 +19930,7 @@
             <a:fld id="{72B8B865-6043-45BC-B48D-1676CB43D17A}" type="datetime1">
               <a:rPr lang="en-US" smtClean="0"/>
               <a:pPr/>
-              <a:t>12/6/2024</a:t>
+              <a:t>12/8/2024</a:t>
             </a:fld>
             <a:endParaRPr lang="en-US" dirty="0"/>
           </a:p>
@@ -20286,7 +20396,7 @@
           <a:p>
             <a:fld id="{1D4D8EA3-B846-4160-95E9-486302147031}" type="datetime1">
               <a:rPr lang="en-US" smtClean="0"/>
-              <a:t>12/6/2024</a:t>
+              <a:t>12/8/2024</a:t>
             </a:fld>
             <a:endParaRPr lang="en-US" dirty="0"/>
           </a:p>
@@ -20661,7 +20771,7 @@
           <a:p>
             <a:fld id="{1D4D8EA3-B846-4160-95E9-486302147031}" type="datetime1">
               <a:rPr lang="en-US" smtClean="0"/>
-              <a:t>12/6/2024</a:t>
+              <a:t>12/8/2024</a:t>
             </a:fld>
             <a:endParaRPr lang="en-US" dirty="0"/>
           </a:p>
@@ -20810,7 +20920,7 @@
           <a:p>
             <a:fld id="{1D4D8EA3-B846-4160-95E9-486302147031}" type="datetime1">
               <a:rPr lang="en-US" smtClean="0"/>
-              <a:t>12/6/2024</a:t>
+              <a:t>12/8/2024</a:t>
             </a:fld>
             <a:endParaRPr lang="en-US" dirty="0"/>
           </a:p>
@@ -20937,7 +21047,7 @@
             <a:fld id="{72B8B865-6043-45BC-B48D-1676CB43D17A}" type="datetime1">
               <a:rPr lang="en-US" smtClean="0"/>
               <a:pPr/>
-              <a:t>12/6/2024</a:t>
+              <a:t>12/8/2024</a:t>
             </a:fld>
             <a:endParaRPr lang="en-US" dirty="0"/>
           </a:p>
@@ -21397,7 +21507,7 @@
           <a:p>
             <a:fld id="{1D4D8EA3-B846-4160-95E9-486302147031}" type="datetime1">
               <a:rPr lang="en-US" smtClean="0"/>
-              <a:t>12/6/2024</a:t>
+              <a:t>12/8/2024</a:t>
             </a:fld>
             <a:endParaRPr lang="en-US" dirty="0"/>
           </a:p>
@@ -21722,7 +21832,7 @@
           <a:p>
             <a:fld id="{1D4D8EA3-B846-4160-95E9-486302147031}" type="datetime1">
               <a:rPr lang="en-US" smtClean="0"/>
-              <a:t>12/6/2024</a:t>
+              <a:t>12/8/2024</a:t>
             </a:fld>
             <a:endParaRPr lang="en-US" dirty="0"/>
           </a:p>
@@ -21937,7 +22047,7 @@
           <a:p>
             <a:fld id="{1D4D8EA3-B846-4160-95E9-486302147031}" type="datetime1">
               <a:rPr lang="en-US" smtClean="0"/>
-              <a:t>12/6/2024</a:t>
+              <a:t>12/8/2024</a:t>
             </a:fld>
             <a:endParaRPr lang="en-US" dirty="0"/>
           </a:p>
@@ -22794,7 +22904,7 @@
             <a:fld id="{72B8B865-6043-45BC-B48D-1676CB43D17A}" type="datetime1">
               <a:rPr lang="en-US" smtClean="0"/>
               <a:pPr/>
-              <a:t>12/6/2024</a:t>
+              <a:t>12/8/2024</a:t>
             </a:fld>
             <a:endParaRPr lang="en-US" dirty="0"/>
           </a:p>
@@ -22855,7 +22965,7 @@
         </p:spPr>
         <p:txBody>
           <a:bodyPr vert="horz" lIns="91440" tIns="45720" rIns="91440" bIns="45720" rtlCol="0" anchor="t">
-            <a:normAutofit/>
+            <a:normAutofit fontScale="92500"/>
           </a:bodyPr>
           <a:lstStyle>
             <a:lvl1pPr marL="342900" indent="-342900" algn="l" defTabSz="914400" rtl="0" eaLnBrk="1" latinLnBrk="0" hangingPunct="1">
@@ -23027,7 +23137,7 @@
               <a:buNone/>
             </a:pPr>
             <a:r>
-              <a:rPr lang="en-US" sz="1400" b="1" dirty="0">
+              <a:rPr lang="en-US" sz="1600" b="1" dirty="0">
                 <a:latin typeface="Bahnschrift SemiLight" panose="020B0502040204020203" pitchFamily="34" charset="0"/>
               </a:rPr>
               <a:t>Purely functional language</a:t>
@@ -23036,7 +23146,7 @@
           <a:p>
             <a:pPr lvl="1"/>
             <a:r>
-              <a:rPr lang="en-US" sz="1400" dirty="0">
+              <a:rPr lang="en-US" sz="1600" dirty="0">
                 <a:latin typeface="Bahnschrift SemiLight" panose="020B0502040204020203" pitchFamily="34" charset="0"/>
               </a:rPr>
               <a:t>No side-effects</a:t>
@@ -23048,7 +23158,7 @@
               <a:buNone/>
             </a:pPr>
             <a:r>
-              <a:rPr lang="en-US" sz="1400" b="1" dirty="0">
+              <a:rPr lang="en-US" sz="1600" b="1" dirty="0">
                 <a:latin typeface="Bahnschrift SemiLight" panose="020B0502040204020203" pitchFamily="34" charset="0"/>
               </a:rPr>
               <a:t>Statically typed</a:t>
@@ -23057,7 +23167,7 @@
           <a:p>
             <a:pPr lvl="1"/>
             <a:r>
-              <a:rPr lang="en-US" sz="1400" dirty="0">
+              <a:rPr lang="en-US" sz="1600" dirty="0">
                 <a:latin typeface="Bahnschrift SemiLight" panose="020B0502040204020203" pitchFamily="34" charset="0"/>
               </a:rPr>
               <a:t>Types of expressions are checked before the program runs and do not change during execution</a:t>
@@ -23069,7 +23179,7 @@
               <a:buNone/>
             </a:pPr>
             <a:r>
-              <a:rPr lang="en-US" sz="1400" b="1" dirty="0">
+              <a:rPr lang="en-US" sz="1600" b="1" dirty="0">
                 <a:latin typeface="Bahnschrift SemiLight" panose="020B0502040204020203" pitchFamily="34" charset="0"/>
               </a:rPr>
               <a:t>Higher-order Functions</a:t>
@@ -23078,7 +23188,7 @@
           <a:p>
             <a:pPr lvl="1"/>
             <a:r>
-              <a:rPr lang="en-US" sz="1400" dirty="0">
+              <a:rPr lang="en-US" sz="1600" dirty="0">
                 <a:latin typeface="Bahnschrift SemiLight" panose="020B0502040204020203" pitchFamily="34" charset="0"/>
               </a:rPr>
               <a:t>Can take in other functions as parameters and return functions</a:t>
@@ -23090,7 +23200,7 @@
               <a:buNone/>
             </a:pPr>
             <a:r>
-              <a:rPr lang="en-US" sz="1400" b="1" dirty="0">
+              <a:rPr lang="en-US" sz="1600" b="1" dirty="0">
                 <a:latin typeface="Bahnschrift SemiLight" panose="020B0502040204020203" pitchFamily="34" charset="0"/>
               </a:rPr>
               <a:t>Lazy Evaluation</a:t>
@@ -23099,7 +23209,7 @@
           <a:p>
             <a:pPr lvl="1"/>
             <a:r>
-              <a:rPr lang="en-US" sz="1400" dirty="0">
+              <a:rPr lang="en-US" sz="1600" dirty="0">
                 <a:latin typeface="Bahnschrift SemiLight" panose="020B0502040204020203" pitchFamily="34" charset="0"/>
               </a:rPr>
               <a:t>Expressions not evaluated until needed</a:t>
@@ -23987,7 +24097,7 @@
             <a:fld id="{72B8B865-6043-45BC-B48D-1676CB43D17A}" type="datetime1">
               <a:rPr lang="en-US" smtClean="0"/>
               <a:pPr/>
-              <a:t>12/6/2024</a:t>
+              <a:t>12/8/2024</a:t>
             </a:fld>
             <a:endParaRPr lang="en-US" dirty="0"/>
           </a:p>
@@ -24313,7 +24423,7 @@
             <a:fld id="{72B8B865-6043-45BC-B48D-1676CB43D17A}" type="datetime1">
               <a:rPr lang="en-US" smtClean="0"/>
               <a:pPr/>
-              <a:t>12/6/2024</a:t>
+              <a:t>12/8/2024</a:t>
             </a:fld>
             <a:endParaRPr lang="en-US" dirty="0"/>
           </a:p>
@@ -24994,7 +25104,7 @@
             <a:fld id="{72B8B865-6043-45BC-B48D-1676CB43D17A}" type="datetime1">
               <a:rPr lang="en-US" smtClean="0"/>
               <a:pPr/>
-              <a:t>12/6/2024</a:t>
+              <a:t>12/8/2024</a:t>
             </a:fld>
             <a:endParaRPr lang="en-US" dirty="0"/>
           </a:p>
@@ -25081,7 +25191,7 @@
         <p:spPr>
           <a:xfrm>
             <a:off x="519655" y="2003323"/>
-            <a:ext cx="6439172" cy="2031325"/>
+            <a:ext cx="6439172" cy="3775457"/>
           </a:xfrm>
           <a:prstGeom prst="rect">
             <a:avLst/>
@@ -25095,6 +25205,9 @@
           <a:lstStyle/>
           <a:p>
             <a:pPr marL="285750" indent="-285750">
+              <a:lnSpc>
+                <a:spcPct val="150000"/>
+              </a:lnSpc>
               <a:buFont typeface="Arial" panose="020B0604020202020204" pitchFamily="34" charset="0"/>
               <a:buChar char="•"/>
             </a:pPr>
@@ -25110,6 +25223,9 @@
           </a:p>
           <a:p>
             <a:pPr marL="742950" lvl="1" indent="-285750">
+              <a:lnSpc>
+                <a:spcPct val="150000"/>
+              </a:lnSpc>
               <a:buFont typeface="Arial" panose="020B0604020202020204" pitchFamily="34" charset="0"/>
               <a:buChar char="•"/>
             </a:pPr>
@@ -25125,6 +25241,9 @@
           </a:p>
           <a:p>
             <a:pPr marL="285750" indent="-285750">
+              <a:lnSpc>
+                <a:spcPct val="150000"/>
+              </a:lnSpc>
               <a:buFont typeface="Arial" panose="020B0604020202020204" pitchFamily="34" charset="0"/>
               <a:buChar char="•"/>
             </a:pPr>
@@ -25140,6 +25259,9 @@
           </a:p>
           <a:p>
             <a:pPr marL="742950" lvl="1" indent="-285750">
+              <a:lnSpc>
+                <a:spcPct val="150000"/>
+              </a:lnSpc>
               <a:buFont typeface="Arial" panose="020B0604020202020204" pitchFamily="34" charset="0"/>
               <a:buChar char="•"/>
             </a:pPr>
@@ -25155,6 +25277,9 @@
           </a:p>
           <a:p>
             <a:pPr marL="285750" indent="-285750">
+              <a:lnSpc>
+                <a:spcPct val="150000"/>
+              </a:lnSpc>
               <a:buFont typeface="Arial" panose="020B0604020202020204" pitchFamily="34" charset="0"/>
               <a:buChar char="•"/>
             </a:pPr>
@@ -25170,6 +25295,45 @@
           </a:p>
           <a:p>
             <a:pPr marL="285750" indent="-285750">
+              <a:lnSpc>
+                <a:spcPct val="150000"/>
+              </a:lnSpc>
+              <a:buFont typeface="Arial" panose="020B0604020202020204" pitchFamily="34" charset="0"/>
+              <a:buChar char="•"/>
+            </a:pPr>
+            <a:r>
+              <a:rPr lang="en-US" dirty="0">
+                <a:solidFill>
+                  <a:schemeClr val="bg1"/>
+                </a:solidFill>
+                <a:latin typeface="Bahnschrift SemiLight" panose="020B0502040204020203" pitchFamily="34" charset="0"/>
+              </a:rPr>
+              <a:t>Inheritance allows for creating more specific types</a:t>
+            </a:r>
+          </a:p>
+          <a:p>
+            <a:pPr marL="285750" indent="-285750">
+              <a:lnSpc>
+                <a:spcPct val="150000"/>
+              </a:lnSpc>
+              <a:buFont typeface="Arial" panose="020B0604020202020204" pitchFamily="34" charset="0"/>
+              <a:buChar char="•"/>
+            </a:pPr>
+            <a:r>
+              <a:rPr lang="en-US" dirty="0">
+                <a:solidFill>
+                  <a:schemeClr val="bg1"/>
+                </a:solidFill>
+                <a:latin typeface="Bahnschrift SemiLight" panose="020B0502040204020203" pitchFamily="34" charset="0"/>
+              </a:rPr>
+              <a:t>Polymorphism</a:t>
+            </a:r>
+          </a:p>
+          <a:p>
+            <a:pPr marL="285750" indent="-285750">
+              <a:lnSpc>
+                <a:spcPct val="150000"/>
+              </a:lnSpc>
               <a:buFont typeface="Arial" panose="020B0604020202020204" pitchFamily="34" charset="0"/>
               <a:buChar char="•"/>
             </a:pPr>
@@ -25214,6 +25378,310 @@
       </p:grpSpPr>
       <p:sp>
         <p:nvSpPr>
+          <p:cNvPr id="8" name="Rectangle 7">
+            <a:extLst>
+              <a:ext uri="{FF2B5EF4-FFF2-40B4-BE49-F238E27FC236}">
+                <a16:creationId xmlns:a16="http://schemas.microsoft.com/office/drawing/2014/main" id="{B782F5BE-A6B4-CEA8-13C7-CE8D11437781}"/>
+              </a:ext>
+            </a:extLst>
+          </p:cNvPr>
+          <p:cNvSpPr/>
+          <p:nvPr/>
+        </p:nvSpPr>
+        <p:spPr>
+          <a:xfrm>
+            <a:off x="0" y="0"/>
+            <a:ext cx="12192000" cy="6858000"/>
+          </a:xfrm>
+          <a:prstGeom prst="rect">
+            <a:avLst/>
+          </a:prstGeom>
+          <a:solidFill>
+            <a:schemeClr val="dk1">
+              <a:alpha val="50000"/>
+            </a:schemeClr>
+          </a:solidFill>
+          <a:ln>
+            <a:noFill/>
+          </a:ln>
+        </p:spPr>
+        <p:style>
+          <a:lnRef idx="0">
+            <a:scrgbClr r="0" g="0" b="0"/>
+          </a:lnRef>
+          <a:fillRef idx="0">
+            <a:scrgbClr r="0" g="0" b="0"/>
+          </a:fillRef>
+          <a:effectRef idx="0">
+            <a:scrgbClr r="0" g="0" b="0"/>
+          </a:effectRef>
+          <a:fontRef idx="minor">
+            <a:schemeClr val="lt1"/>
+          </a:fontRef>
+        </p:style>
+        <p:txBody>
+          <a:bodyPr rtlCol="0" anchor="ctr"/>
+          <a:lstStyle/>
+          <a:p>
+            <a:pPr algn="ctr"/>
+            <a:endParaRPr lang="en-US"/>
+          </a:p>
+        </p:txBody>
+      </p:sp>
+      <p:pic>
+        <p:nvPicPr>
+          <p:cNvPr id="7" name="Picture 6">
+            <a:extLst>
+              <a:ext uri="{FF2B5EF4-FFF2-40B4-BE49-F238E27FC236}">
+                <a16:creationId xmlns:a16="http://schemas.microsoft.com/office/drawing/2014/main" id="{2C2BF843-E778-FB54-00DE-0E21C9A904F4}"/>
+              </a:ext>
+            </a:extLst>
+          </p:cNvPr>
+          <p:cNvPicPr>
+            <a:picLocks noChangeAspect="1"/>
+          </p:cNvPicPr>
+          <p:nvPr/>
+        </p:nvPicPr>
+        <p:blipFill>
+          <a:blip r:embed="rId2">
+            <a:extLst>
+              <a:ext uri="{28A0092B-C50C-407E-A947-70E740481C1C}">
+                <a14:useLocalDpi xmlns:a14="http://schemas.microsoft.com/office/drawing/2010/main" val="0"/>
+              </a:ext>
+            </a:extLst>
+          </a:blip>
+          <a:stretch>
+            <a:fillRect/>
+          </a:stretch>
+        </p:blipFill>
+        <p:spPr>
+          <a:xfrm>
+            <a:off x="2186254" y="280558"/>
+            <a:ext cx="7819491" cy="6296883"/>
+          </a:xfrm>
+          <a:prstGeom prst="rect">
+            <a:avLst/>
+          </a:prstGeom>
+          <a:ln>
+            <a:noFill/>
+          </a:ln>
+          <a:effectLst>
+            <a:outerShdw blurRad="190500" algn="tl" rotWithShape="0">
+              <a:srgbClr val="000000">
+                <a:alpha val="70000"/>
+              </a:srgbClr>
+            </a:outerShdw>
+          </a:effectLst>
+        </p:spPr>
+      </p:pic>
+    </p:spTree>
+    <p:extLst>
+      <p:ext uri="{BB962C8B-B14F-4D97-AF65-F5344CB8AC3E}">
+        <p14:creationId xmlns:p14="http://schemas.microsoft.com/office/powerpoint/2010/main" val="3024312449"/>
+      </p:ext>
+    </p:extLst>
+  </p:cSld>
+  <p:clrMapOvr>
+    <a:masterClrMapping/>
+  </p:clrMapOvr>
+</p:sld>
+</file>
+
+<file path=ppt/slides/slide8.xml><?xml version="1.0" encoding="utf-8"?>
+<p:sld xmlns:a="http://schemas.openxmlformats.org/drawingml/2006/main" xmlns:r="http://schemas.openxmlformats.org/officeDocument/2006/relationships" xmlns:p="http://schemas.openxmlformats.org/presentationml/2006/main">
+  <p:cSld>
+    <p:spTree>
+      <p:nvGrpSpPr>
+        <p:cNvPr id="1" name="">
+          <a:extLst>
+            <a:ext uri="{FF2B5EF4-FFF2-40B4-BE49-F238E27FC236}">
+              <a16:creationId xmlns:a16="http://schemas.microsoft.com/office/drawing/2014/main" id="{B886EDC7-569A-AE5D-2F3A-C9E93A23EE69}"/>
+            </a:ext>
+          </a:extLst>
+        </p:cNvPr>
+        <p:cNvGrpSpPr/>
+        <p:nvPr/>
+      </p:nvGrpSpPr>
+      <p:grpSpPr>
+        <a:xfrm>
+          <a:off x="0" y="0"/>
+          <a:ext cx="0" cy="0"/>
+          <a:chOff x="0" y="0"/>
+          <a:chExt cx="0" cy="0"/>
+        </a:xfrm>
+      </p:grpSpPr>
+      <p:sp>
+        <p:nvSpPr>
+          <p:cNvPr id="7" name="Rectangle: Rounded Corners 6">
+            <a:extLst>
+              <a:ext uri="{FF2B5EF4-FFF2-40B4-BE49-F238E27FC236}">
+                <a16:creationId xmlns:a16="http://schemas.microsoft.com/office/drawing/2014/main" id="{9502C5F9-AB19-CD62-832C-201963D2E923}"/>
+              </a:ext>
+            </a:extLst>
+          </p:cNvPr>
+          <p:cNvSpPr/>
+          <p:nvPr/>
+        </p:nvSpPr>
+        <p:spPr>
+          <a:xfrm>
+            <a:off x="347240" y="300942"/>
+            <a:ext cx="11457663" cy="5613721"/>
+          </a:xfrm>
+          <a:prstGeom prst="roundRect">
+            <a:avLst>
+              <a:gd name="adj" fmla="val 2013"/>
+            </a:avLst>
+          </a:prstGeom>
+          <a:solidFill>
+            <a:schemeClr val="bg1">
+              <a:alpha val="80000"/>
+            </a:schemeClr>
+          </a:solidFill>
+          <a:ln>
+            <a:noFill/>
+          </a:ln>
+        </p:spPr>
+        <p:style>
+          <a:lnRef idx="2">
+            <a:schemeClr val="accent1">
+              <a:shade val="15000"/>
+            </a:schemeClr>
+          </a:lnRef>
+          <a:fillRef idx="1">
+            <a:schemeClr val="accent1"/>
+          </a:fillRef>
+          <a:effectRef idx="0">
+            <a:schemeClr val="accent1"/>
+          </a:effectRef>
+          <a:fontRef idx="minor">
+            <a:schemeClr val="lt1"/>
+          </a:fontRef>
+        </p:style>
+        <p:txBody>
+          <a:bodyPr rtlCol="0" anchor="ctr"/>
+          <a:lstStyle/>
+          <a:p>
+            <a:pPr algn="ctr"/>
+            <a:endParaRPr lang="en-US" dirty="0"/>
+          </a:p>
+        </p:txBody>
+      </p:sp>
+      <p:sp>
+        <p:nvSpPr>
+          <p:cNvPr id="3" name="Slide Number Placeholder 2">
+            <a:extLst>
+              <a:ext uri="{FF2B5EF4-FFF2-40B4-BE49-F238E27FC236}">
+                <a16:creationId xmlns:a16="http://schemas.microsoft.com/office/drawing/2014/main" id="{18EE66A5-9677-4EF4-D3C9-D1917FCE0EC8}"/>
+              </a:ext>
+            </a:extLst>
+          </p:cNvPr>
+          <p:cNvSpPr>
+            <a:spLocks noGrp="1"/>
+          </p:cNvSpPr>
+          <p:nvPr>
+            <p:ph type="sldNum" sz="quarter" idx="12"/>
+          </p:nvPr>
+        </p:nvSpPr>
+        <p:spPr/>
+        <p:txBody>
+          <a:bodyPr/>
+          <a:lstStyle/>
+          <a:p>
+            <a:fld id="{294A09A9-5501-47C1-A89A-A340965A2BE2}" type="slidenum">
+              <a:rPr lang="en-US" smtClean="0"/>
+              <a:pPr/>
+              <a:t>8</a:t>
+            </a:fld>
+            <a:endParaRPr lang="en-US" dirty="0"/>
+          </a:p>
+        </p:txBody>
+      </p:sp>
+      <p:sp>
+        <p:nvSpPr>
+          <p:cNvPr id="5" name="Title 1">
+            <a:extLst>
+              <a:ext uri="{FF2B5EF4-FFF2-40B4-BE49-F238E27FC236}">
+                <a16:creationId xmlns:a16="http://schemas.microsoft.com/office/drawing/2014/main" id="{2DD57D14-F6D2-DB1D-F3C8-393AA190A9E5}"/>
+              </a:ext>
+            </a:extLst>
+          </p:cNvPr>
+          <p:cNvSpPr txBox="1">
+            <a:spLocks/>
+          </p:cNvSpPr>
+          <p:nvPr/>
+        </p:nvSpPr>
+        <p:spPr>
+          <a:xfrm>
+            <a:off x="3704409" y="2526361"/>
+            <a:ext cx="4743324" cy="902639"/>
+          </a:xfrm>
+          <a:prstGeom prst="rect">
+            <a:avLst/>
+          </a:prstGeom>
+        </p:spPr>
+        <p:txBody>
+          <a:bodyPr/>
+          <a:lstStyle>
+            <a:lvl1pPr algn="l" defTabSz="914400" rtl="0" eaLnBrk="1" latinLnBrk="0" hangingPunct="1">
+              <a:lnSpc>
+                <a:spcPct val="90000"/>
+              </a:lnSpc>
+              <a:spcBef>
+                <a:spcPct val="0"/>
+              </a:spcBef>
+              <a:buNone/>
+              <a:defRPr sz="4400" kern="1200">
+                <a:solidFill>
+                  <a:schemeClr val="tx1"/>
+                </a:solidFill>
+                <a:latin typeface="+mj-lt"/>
+                <a:ea typeface="+mj-ea"/>
+                <a:cs typeface="+mj-cs"/>
+              </a:defRPr>
+            </a:lvl1pPr>
+          </a:lstStyle>
+          <a:p>
+            <a:r>
+              <a:rPr lang="en-US" sz="5400" b="1" u="sng" dirty="0">
+                <a:latin typeface="Bahnschrift" panose="020B0502040204020203" pitchFamily="34" charset="0"/>
+              </a:rPr>
+              <a:t>Demonstration</a:t>
+            </a:r>
+          </a:p>
+        </p:txBody>
+      </p:sp>
+    </p:spTree>
+    <p:extLst>
+      <p:ext uri="{BB962C8B-B14F-4D97-AF65-F5344CB8AC3E}">
+        <p14:creationId xmlns:p14="http://schemas.microsoft.com/office/powerpoint/2010/main" val="790769034"/>
+      </p:ext>
+    </p:extLst>
+  </p:cSld>
+  <p:clrMapOvr>
+    <a:masterClrMapping/>
+  </p:clrMapOvr>
+</p:sld>
+</file>
+
+<file path=ppt/slides/slide9.xml><?xml version="1.0" encoding="utf-8"?>
+<p:sld xmlns:a="http://schemas.openxmlformats.org/drawingml/2006/main" xmlns:r="http://schemas.openxmlformats.org/officeDocument/2006/relationships" xmlns:p="http://schemas.openxmlformats.org/presentationml/2006/main">
+  <p:cSld>
+    <p:spTree>
+      <p:nvGrpSpPr>
+        <p:cNvPr id="1" name=""/>
+        <p:cNvGrpSpPr/>
+        <p:nvPr/>
+      </p:nvGrpSpPr>
+      <p:grpSpPr>
+        <a:xfrm>
+          <a:off x="0" y="0"/>
+          <a:ext cx="0" cy="0"/>
+          <a:chOff x="0" y="0"/>
+          <a:chExt cx="0" cy="0"/>
+        </a:xfrm>
+      </p:grpSpPr>
+      <p:sp>
+        <p:nvSpPr>
           <p:cNvPr id="2" name="Title 1">
             <a:extLst>
               <a:ext uri="{FF2B5EF4-FFF2-40B4-BE49-F238E27FC236}">
@@ -25308,7 +25776,7 @@
             <a:fld id="{FCB1BC7D-EE8F-4610-B748-33D1F9065B77}" type="datetime1">
               <a:rPr lang="en-US" smtClean="0"/>
               <a:pPr/>
-              <a:t>12/6/2024</a:t>
+              <a:t>12/8/2024</a:t>
             </a:fld>
             <a:endParaRPr lang="en-US" dirty="0"/>
           </a:p>
@@ -25338,7 +25806,7 @@
             <a:fld id="{294A09A9-5501-47C1-A89A-A340965A2BE2}" type="slidenum">
               <a:rPr lang="en-US" smtClean="0"/>
               <a:pPr/>
-              <a:t>7</a:t>
+              <a:t>9</a:t>
             </a:fld>
             <a:endParaRPr lang="en-US" dirty="0"/>
           </a:p>
@@ -26357,15 +26825,6 @@
 </file>
 
 <file path=customXml/item1.xml><?xml version="1.0" encoding="utf-8"?>
-<?mso-contentType ?>
-<FormTemplates xmlns="http://schemas.microsoft.com/sharepoint/v3/contenttype/forms">
-  <Display>DocumentLibraryForm</Display>
-  <Edit>DocumentLibraryForm</Edit>
-  <New>DocumentLibraryForm</New>
-</FormTemplates>
-</file>
-
-<file path=customXml/item2.xml><?xml version="1.0" encoding="utf-8"?>
 <p:properties xmlns:p="http://schemas.microsoft.com/office/2006/metadata/properties" xmlns:xsi="http://www.w3.org/2001/XMLSchema-instance" xmlns:pc="http://schemas.microsoft.com/office/infopath/2007/PartnerControls">
   <documentManagement>
     <_ip_UnifiedCompliancePolicyUIAction xmlns="http://schemas.microsoft.com/sharepoint/v3" xsi:nil="true"/>
@@ -26383,6 +26842,15 @@
     <MediaServiceKeyPoints xmlns="71af3243-3dd4-4a8d-8c0d-dd76da1f02a5" xsi:nil="true"/>
   </documentManagement>
 </p:properties>
+</file>
+
+<file path=customXml/item2.xml><?xml version="1.0" encoding="utf-8"?>
+<?mso-contentType ?>
+<FormTemplates xmlns="http://schemas.microsoft.com/sharepoint/v3/contenttype/forms">
+  <Display>DocumentLibraryForm</Display>
+  <Edit>DocumentLibraryForm</Edit>
+  <New>DocumentLibraryForm</New>
+</FormTemplates>
 </file>
 
 <file path=customXml/item3.xml><?xml version="1.0" encoding="utf-8"?>
@@ -26698,14 +27166,6 @@
 </file>
 
 <file path=customXml/itemProps1.xml><?xml version="1.0" encoding="utf-8"?>
-<ds:datastoreItem xmlns:ds="http://schemas.openxmlformats.org/officeDocument/2006/customXml" ds:itemID="{F55A16D6-EDBE-419D-AF8F-74F00E41AFB5}">
-  <ds:schemaRefs>
-    <ds:schemaRef ds:uri="http://schemas.microsoft.com/sharepoint/v3/contenttype/forms"/>
-  </ds:schemaRefs>
-</ds:datastoreItem>
-</file>
-
-<file path=customXml/itemProps2.xml><?xml version="1.0" encoding="utf-8"?>
 <ds:datastoreItem xmlns:ds="http://schemas.openxmlformats.org/officeDocument/2006/customXml" ds:itemID="{25BF1A99-35F0-4B73-B737-B4DCDCD8CA57}">
   <ds:schemaRefs>
     <ds:schemaRef ds:uri="http://schemas.microsoft.com/office/2006/metadata/properties"/>
@@ -26713,6 +27173,14 @@
     <ds:schemaRef ds:uri="http://schemas.microsoft.com/sharepoint/v3"/>
     <ds:schemaRef ds:uri="71af3243-3dd4-4a8d-8c0d-dd76da1f02a5"/>
     <ds:schemaRef ds:uri="230e9df3-be65-4c73-a93b-d1236ebd677e"/>
+  </ds:schemaRefs>
+</ds:datastoreItem>
+</file>
+
+<file path=customXml/itemProps2.xml><?xml version="1.0" encoding="utf-8"?>
+<ds:datastoreItem xmlns:ds="http://schemas.openxmlformats.org/officeDocument/2006/customXml" ds:itemID="{F55A16D6-EDBE-419D-AF8F-74F00E41AFB5}">
+  <ds:schemaRefs>
+    <ds:schemaRef ds:uri="http://schemas.microsoft.com/sharepoint/v3/contenttype/forms"/>
   </ds:schemaRefs>
 </ds:datastoreItem>
 </file>
